--- a/Modeling Normally Distributed Data with Repeated Measures 2.9.2021.pptx
+++ b/Modeling Normally Distributed Data with Repeated Measures 2.9.2021.pptx
@@ -263,7 +263,7 @@
           <a:p>
             <a:fld id="{629DBCE5-E7CF-405E-BA9A-DC7F59DE59C4}" type="datetimeFigureOut">
               <a:rPr lang="en-US" smtClean="0"/>
-              <a:t>1/3/2021</a:t>
+              <a:t>2/9/2021</a:t>
             </a:fld>
             <a:endParaRPr lang="en-US"/>
           </a:p>
@@ -677,7 +677,7 @@
           <a:p>
             <a:fld id="{DE7D8B33-D73A-4642-8847-18B7A8F19850}" type="datetime1">
               <a:rPr lang="en-US" smtClean="0"/>
-              <a:t>1/3/2021</a:t>
+              <a:t>2/9/2021</a:t>
             </a:fld>
             <a:endParaRPr lang="en-US" dirty="0"/>
           </a:p>
@@ -875,7 +875,7 @@
           <a:p>
             <a:fld id="{AC75E22E-41BB-42B0-A443-CB7BFB049810}" type="datetime1">
               <a:rPr lang="en-US" smtClean="0"/>
-              <a:t>1/3/2021</a:t>
+              <a:t>2/9/2021</a:t>
             </a:fld>
             <a:endParaRPr lang="en-US" dirty="0"/>
           </a:p>
@@ -1083,7 +1083,7 @@
           <a:p>
             <a:fld id="{FEFC78F6-DCE0-4EB5-A4A5-2F35A629DBDF}" type="datetime1">
               <a:rPr lang="en-US" smtClean="0"/>
-              <a:t>1/3/2021</a:t>
+              <a:t>2/9/2021</a:t>
             </a:fld>
             <a:endParaRPr lang="en-US" dirty="0"/>
           </a:p>
@@ -1281,7 +1281,7 @@
           <a:p>
             <a:fld id="{DDE2E2D4-0E15-4E48-963B-9C5A96A577BA}" type="datetime1">
               <a:rPr lang="en-US" smtClean="0"/>
-              <a:t>1/3/2021</a:t>
+              <a:t>2/9/2021</a:t>
             </a:fld>
             <a:endParaRPr lang="en-US" dirty="0"/>
           </a:p>
@@ -1556,7 +1556,7 @@
           <a:p>
             <a:fld id="{00BD6D4D-62A1-4EF3-A36C-E4E42248DE50}" type="datetime1">
               <a:rPr lang="en-US" smtClean="0"/>
-              <a:t>1/3/2021</a:t>
+              <a:t>2/9/2021</a:t>
             </a:fld>
             <a:endParaRPr lang="en-US" dirty="0"/>
           </a:p>
@@ -1821,7 +1821,7 @@
           <a:p>
             <a:fld id="{CEDA2866-16C3-41BD-855F-A30EA00B2F8D}" type="datetime1">
               <a:rPr lang="en-US" smtClean="0"/>
-              <a:t>1/3/2021</a:t>
+              <a:t>2/9/2021</a:t>
             </a:fld>
             <a:endParaRPr lang="en-US" dirty="0"/>
           </a:p>
@@ -2233,7 +2233,7 @@
           <a:p>
             <a:fld id="{43940B84-16CD-4253-A189-7C4497E6E44A}" type="datetime1">
               <a:rPr lang="en-US" smtClean="0"/>
-              <a:t>1/3/2021</a:t>
+              <a:t>2/9/2021</a:t>
             </a:fld>
             <a:endParaRPr lang="en-US" dirty="0"/>
           </a:p>
@@ -2374,7 +2374,7 @@
           <a:p>
             <a:fld id="{960CD5B1-B606-42F0-BDFC-1D2C3BB41AAF}" type="datetime1">
               <a:rPr lang="en-US" smtClean="0"/>
-              <a:t>1/3/2021</a:t>
+              <a:t>2/9/2021</a:t>
             </a:fld>
             <a:endParaRPr lang="en-US" dirty="0"/>
           </a:p>
@@ -2487,7 +2487,7 @@
           <a:p>
             <a:fld id="{40D294DE-D4CE-46C5-841B-67AC803152DE}" type="datetime1">
               <a:rPr lang="en-US" smtClean="0"/>
-              <a:t>1/3/2021</a:t>
+              <a:t>2/9/2021</a:t>
             </a:fld>
             <a:endParaRPr lang="en-US" dirty="0"/>
           </a:p>
@@ -2798,7 +2798,7 @@
           <a:p>
             <a:fld id="{17EFA4A8-B56A-4643-8ABE-AB16C675A66D}" type="datetime1">
               <a:rPr lang="en-US" smtClean="0"/>
-              <a:t>1/3/2021</a:t>
+              <a:t>2/9/2021</a:t>
             </a:fld>
             <a:endParaRPr lang="en-US" dirty="0"/>
           </a:p>
@@ -3087,7 +3087,7 @@
           <a:p>
             <a:fld id="{064775D8-427C-4A23-AA1B-BC1CAB4A6AE7}" type="datetime1">
               <a:rPr lang="en-US" smtClean="0"/>
-              <a:t>1/3/2021</a:t>
+              <a:t>2/9/2021</a:t>
             </a:fld>
             <a:endParaRPr lang="en-US" dirty="0"/>
           </a:p>
@@ -3329,7 +3329,7 @@
           <a:p>
             <a:fld id="{FA6E7C05-F83E-4B6D-95E2-68243A2754FB}" type="datetime1">
               <a:rPr lang="en-US" smtClean="0"/>
-              <a:t>1/3/2021</a:t>
+              <a:t>2/9/2021</a:t>
             </a:fld>
             <a:endParaRPr lang="en-US" dirty="0"/>
           </a:p>
@@ -25154,7 +25154,7 @@
                 </a:pPr>
                 <a:r>
                   <a:rPr lang="en-US" dirty="0"/>
-                  <a:t> Alpha                              </a:t>
+                  <a:t> Alpha               </a:t>
                 </a:r>
                 <a14:m>
                   <m:oMath xmlns:m="http://schemas.openxmlformats.org/officeDocument/2006/math">
@@ -25176,7 +25176,7 @@
                 </a:pPr>
                 <a:r>
                   <a:rPr lang="en-US" dirty="0"/>
-                  <a:t> Beta                                </a:t>
+                  <a:t> Beta                 </a:t>
                 </a:r>
                 <a14:m>
                   <m:oMath xmlns:m="http://schemas.openxmlformats.org/officeDocument/2006/math">
@@ -25198,7 +25198,7 @@
                 </a:pPr>
                 <a:r>
                   <a:rPr lang="en-US" dirty="0"/>
-                  <a:t> Epsilon                           </a:t>
+                  <a:t> Epsilon             </a:t>
                 </a:r>
                 <a14:m>
                   <m:oMath xmlns:m="http://schemas.openxmlformats.org/officeDocument/2006/math">
@@ -25224,39 +25224,10 @@
                 </a:pPr>
                 <a:r>
                   <a:rPr lang="en-US" dirty="0"/>
-                  <a:t>  Pi                                   </a:t>
+                  <a:t> Sigma               </a:t>
                 </a:r>
                 <a14:m>
                   <m:oMath xmlns:m="http://schemas.openxmlformats.org/officeDocument/2006/math">
-                    <m:r>
-                      <a:rPr lang="en-US" sz="3200" i="1" smtClean="0">
-                        <a:latin typeface="Cambria Math" panose="02040503050406030204" pitchFamily="18" charset="0"/>
-                        <a:ea typeface="Cambria Math" panose="02040503050406030204" pitchFamily="18" charset="0"/>
-                      </a:rPr>
-                      <m:t>𝜋</m:t>
-                    </m:r>
-                  </m:oMath>
-                </a14:m>
-                <a:endParaRPr lang="en-US" sz="3200" dirty="0"/>
-              </a:p>
-              <a:p>
-                <a:pPr>
-                  <a:buFont typeface="Wingdings" panose="05000000000000000000" pitchFamily="2" charset="2"/>
-                  <a:buChar char="q"/>
-                </a:pPr>
-                <a:r>
-                  <a:rPr lang="en-US" dirty="0"/>
-                  <a:t>  Sigma                           </a:t>
-                </a:r>
-                <a14:m>
-                  <m:oMath xmlns:m="http://schemas.openxmlformats.org/officeDocument/2006/math">
-                    <m:r>
-                      <a:rPr lang="en-US" sz="3200" b="0" i="0" smtClean="0">
-                        <a:latin typeface="Cambria Math" panose="02040503050406030204" pitchFamily="18" charset="0"/>
-                        <a:ea typeface="Cambria Math" panose="02040503050406030204" pitchFamily="18" charset="0"/>
-                      </a:rPr>
-                      <m:t> </m:t>
-                    </m:r>
                     <m:r>
                       <a:rPr lang="en-US" sz="3200" i="1" smtClean="0">
                         <a:latin typeface="Cambria Math" panose="02040503050406030204" pitchFamily="18" charset="0"/>
@@ -30925,7 +30896,7 @@
         </p:spPr>
         <p:txBody>
           <a:bodyPr>
-            <a:normAutofit/>
+            <a:normAutofit fontScale="90000"/>
           </a:bodyPr>
           <a:lstStyle/>
           <a:p>
@@ -34914,7 +34885,7 @@
         </p:spPr>
         <p:txBody>
           <a:bodyPr>
-            <a:normAutofit/>
+            <a:normAutofit fontScale="90000"/>
           </a:bodyPr>
           <a:lstStyle/>
           <a:p>
@@ -36847,7 +36818,7 @@
         </p:spPr>
         <p:txBody>
           <a:bodyPr>
-            <a:normAutofit/>
+            <a:normAutofit fontScale="90000"/>
           </a:bodyPr>
           <a:lstStyle/>
           <a:p>
@@ -38704,7 +38675,7 @@
         </p:spPr>
         <p:txBody>
           <a:bodyPr>
-            <a:normAutofit/>
+            <a:normAutofit fontScale="90000"/>
           </a:bodyPr>
           <a:lstStyle/>
           <a:p>

--- a/Modeling Normally Distributed Data with Repeated Measures 2.9.2021.pptx
+++ b/Modeling Normally Distributed Data with Repeated Measures 2.9.2021.pptx
@@ -12045,7 +12045,20 @@
             </a:pPr>
             <a:r>
               <a:rPr lang="en-US" dirty="0"/>
-              <a:t>Measurements were taken on 20 people involved in a physical fitness course. The data contain participants' gender, age, oxygen intake (in ml per kg body weight per minute), run time (time to run 1 mile, in minutes), and pulse (average heart rate while running). The running was done under three different conditions: the first one on a treadmill, the second one on an indoor running track, and the third one on an outdoor running track. Use the longform data to answer the following questions:</a:t>
+              <a:t>Measurements were taken on 20 people involved in a physical fitness course. The </a:t>
+            </a:r>
+            <a:r>
+              <a:rPr lang="en-US" dirty="0">
+                <a:highlight>
+                  <a:srgbClr val="FFFF00"/>
+                </a:highlight>
+                <a:hlinkClick r:id="rId2" action="ppaction://hlinkfile"/>
+              </a:rPr>
+              <a:t>data</a:t>
+            </a:r>
+            <a:r>
+              <a:rPr lang="en-US" dirty="0"/>
+              <a:t> contain participants' gender, age, oxygen intake (in ml per kg body weight per minute), run time (time to run 1 mile, in minutes), and pulse (average heart rate while running). The running was done under three different conditions: the first one on a treadmill, the second one on an indoor running track, and the third one on an outdoor running track. Use the longform data to answer the following questions:</a:t>
             </a:r>
           </a:p>
           <a:p>
@@ -18537,7 +18550,7 @@
         </p:nvSpPr>
         <p:spPr>
           <a:xfrm>
-            <a:off x="838200" y="365126"/>
+            <a:off x="734291" y="365125"/>
             <a:ext cx="10515600" cy="893652"/>
           </a:xfrm>
         </p:spPr>
@@ -25120,8 +25133,8 @@
           </a:p>
         </p:txBody>
       </p:sp>
-      <mc:AlternateContent xmlns:mc="http://schemas.openxmlformats.org/markup-compatibility/2006" xmlns:a14="http://schemas.microsoft.com/office/drawing/2010/main">
-        <mc:Choice Requires="a14">
+      <mc:AlternateContent xmlns:mc="http://schemas.openxmlformats.org/markup-compatibility/2006">
+        <mc:Choice xmlns:a14="http://schemas.microsoft.com/office/drawing/2010/main" Requires="a14">
           <p:sp>
             <p:nvSpPr>
               <p:cNvPr id="3" name="Content Placeholder 2">
@@ -25213,7 +25226,32 @@
                 </a14:m>
                 <a:r>
                   <a:rPr lang="en-US" dirty="0"/>
-                  <a:t>                   </a:t>
+                  <a:t>      </a:t>
+                </a:r>
+              </a:p>
+              <a:p>
+                <a:pPr>
+                  <a:buFont typeface="Wingdings" panose="05000000000000000000" pitchFamily="2" charset="2"/>
+                  <a:buChar char="q"/>
+                </a:pPr>
+                <a:r>
+                  <a:rPr lang="en-US" dirty="0"/>
+                  <a:t> Rho                   </a:t>
+                </a:r>
+                <a14:m>
+                  <m:oMath xmlns:m="http://schemas.openxmlformats.org/officeDocument/2006/math">
+                    <m:r>
+                      <a:rPr lang="en-US" i="1">
+                        <a:latin typeface="Cambria Math" panose="02040503050406030204" pitchFamily="18" charset="0"/>
+                        <a:ea typeface="Cambria Math" panose="02040503050406030204" pitchFamily="18" charset="0"/>
+                      </a:rPr>
+                      <m:t>𝜌</m:t>
+                    </m:r>
+                  </m:oMath>
+                </a14:m>
+                <a:r>
+                  <a:rPr lang="en-US" dirty="0"/>
+                  <a:t>                    </a:t>
                 </a:r>
                 <a:endParaRPr lang="en-US" sz="3200" dirty="0"/>
               </a:p>
@@ -25237,12 +25275,14 @@
                     </m:r>
                   </m:oMath>
                 </a14:m>
-                <a:endParaRPr lang="en-US" sz="3200" dirty="0"/>
+                <a:endParaRPr lang="en-US" sz="3200" dirty="0">
+                  <a:ea typeface="Cambria Math" panose="02040503050406030204" pitchFamily="18" charset="0"/>
+                </a:endParaRPr>
               </a:p>
             </p:txBody>
           </p:sp>
         </mc:Choice>
-        <mc:Fallback xmlns="">
+        <mc:Fallback>
           <p:sp>
             <p:nvSpPr>
               <p:cNvPr id="3" name="Content Placeholder 2">
@@ -27401,7 +27441,17 @@
             </a:pPr>
             <a:r>
               <a:rPr lang="en-US" dirty="0"/>
-              <a:t>A health center conducted a study on efficacy of an intervention on weight loss. The intervention consisted of a lecture on proper nutrition and importance of exercising, followed by a cooking class. The study had a wait list control group. For each of the 34 study participants, the investigators recorded the group (intervention or control), gender (F/M), the typical length of daily exercise in the past week (in minutes), and BMI (in kg/m^2) at the beginning of the study, and at 1 and 3 months afterwards. Use the data set “WeightLossData.csv” to analyze the data.</a:t>
+              <a:t>A health center conducted a study on efficacy of an intervention on weight loss. The intervention consisted of a lecture on proper nutrition and importance of exercising, followed by a cooking class. The study had a wait list control group. For each of the 34 study participants, the investigators recorded the group (intervention or control), gender (F/M), the typical length of daily exercise in the past week (in minutes), and BMI (in kg/m^2) at the beginning of the study, and at 1 and 3 months afterwards. Use the data set “</a:t>
+            </a:r>
+            <a:r>
+              <a:rPr lang="en-US" dirty="0">
+                <a:hlinkClick r:id="rId2" action="ppaction://hlinkfile"/>
+              </a:rPr>
+              <a:t>WeightLossData.csv</a:t>
+            </a:r>
+            <a:r>
+              <a:rPr lang="en-US" dirty="0"/>
+              <a:t>” to analyze the data.</a:t>
             </a:r>
           </a:p>
           <a:p>
@@ -27718,6 +27768,10 @@
               <a:rPr lang="en-US" dirty="0"/>
               <a:t>) Compute the predicted BMI at 3 months for an intervention group male participant, if he exercises for 1 hour every day.</a:t>
             </a:r>
+          </a:p>
+          <a:p>
+            <a:pPr algn="l"/>
+            <a:endParaRPr lang="en-US" dirty="0"/>
           </a:p>
         </p:txBody>
       </p:sp>

--- a/Modeling Normally Distributed Data with Repeated Measures 2.9.2021.pptx
+++ b/Modeling Normally Distributed Data with Repeated Measures 2.9.2021.pptx
@@ -25133,8 +25133,8 @@
           </a:p>
         </p:txBody>
       </p:sp>
-      <mc:AlternateContent xmlns:mc="http://schemas.openxmlformats.org/markup-compatibility/2006">
-        <mc:Choice xmlns:a14="http://schemas.microsoft.com/office/drawing/2010/main" Requires="a14">
+      <mc:AlternateContent xmlns:mc="http://schemas.openxmlformats.org/markup-compatibility/2006" xmlns:a14="http://schemas.microsoft.com/office/drawing/2010/main">
+        <mc:Choice Requires="a14">
           <p:sp>
             <p:nvSpPr>
               <p:cNvPr id="3" name="Content Placeholder 2">
@@ -25282,7 +25282,7 @@
             </p:txBody>
           </p:sp>
         </mc:Choice>
-        <mc:Fallback>
+        <mc:Fallback xmlns="">
           <p:sp>
             <p:nvSpPr>
               <p:cNvPr id="3" name="Content Placeholder 2">
@@ -26798,8 +26798,8 @@
           <a:chExt cx="0" cy="0"/>
         </a:xfrm>
       </p:grpSpPr>
-      <mc:AlternateContent xmlns:mc="http://schemas.openxmlformats.org/markup-compatibility/2006" xmlns:a14="http://schemas.microsoft.com/office/drawing/2010/main">
-        <mc:Choice Requires="a14">
+      <mc:AlternateContent xmlns:mc="http://schemas.openxmlformats.org/markup-compatibility/2006">
+        <mc:Choice xmlns:a14="http://schemas.microsoft.com/office/drawing/2010/main" Requires="a14">
           <p:sp>
             <p:nvSpPr>
               <p:cNvPr id="3" name="Subtitle 2">
@@ -27166,16 +27166,13 @@
                 </a:endParaRPr>
               </a:p>
               <a:p>
-                <a:pPr marL="457200" indent="-457200" algn="l">
-                  <a:buFont typeface="Wingdings" panose="05000000000000000000" pitchFamily="2" charset="2"/>
-                  <a:buChar char="q"/>
-                </a:pPr>
+                <a:pPr algn="l"/>
                 <a:endParaRPr lang="en-US" sz="2800" dirty="0"/>
               </a:p>
             </p:txBody>
           </p:sp>
         </mc:Choice>
-        <mc:Fallback xmlns="">
+        <mc:Fallback>
           <p:sp>
             <p:nvSpPr>
               <p:cNvPr id="3" name="Subtitle 2">
@@ -30423,7 +30420,21 @@
                 <a:latin typeface="Courier New" panose="02070309020205020404" pitchFamily="49" charset="0"/>
                 <a:cs typeface="Courier New" panose="02070309020205020404" pitchFamily="49" charset="0"/>
               </a:rPr>
-              <a:t>, id=id, family=gaussian(link="identity"), </a:t>
+              <a:t>, id=</a:t>
+            </a:r>
+            <a:r>
+              <a:rPr lang="en-US" sz="1400" dirty="0" err="1">
+                <a:latin typeface="Courier New" panose="02070309020205020404" pitchFamily="49" charset="0"/>
+                <a:cs typeface="Courier New" panose="02070309020205020404" pitchFamily="49" charset="0"/>
+              </a:rPr>
+              <a:t>patid</a:t>
+            </a:r>
+            <a:r>
+              <a:rPr lang="en-US" sz="1400" dirty="0">
+                <a:latin typeface="Courier New" panose="02070309020205020404" pitchFamily="49" charset="0"/>
+                <a:cs typeface="Courier New" panose="02070309020205020404" pitchFamily="49" charset="0"/>
+              </a:rPr>
+              <a:t>, family=gaussian(link="identity"), </a:t>
             </a:r>
             <a:r>
               <a:rPr lang="en-US" sz="1400" dirty="0" err="1">
@@ -33124,8 +33135,8 @@
           <a:chExt cx="0" cy="0"/>
         </a:xfrm>
       </p:grpSpPr>
-      <mc:AlternateContent xmlns:mc="http://schemas.openxmlformats.org/markup-compatibility/2006" xmlns:a14="http://schemas.microsoft.com/office/drawing/2010/main">
-        <mc:Choice Requires="a14">
+      <mc:AlternateContent xmlns:mc="http://schemas.openxmlformats.org/markup-compatibility/2006">
+        <mc:Choice xmlns:a14="http://schemas.microsoft.com/office/drawing/2010/main" Requires="a14">
           <p:sp>
             <p:nvSpPr>
               <p:cNvPr id="3" name="Subtitle 2">
@@ -33408,6 +33419,12 @@
                               <a:rPr lang="en-US" i="1">
                                 <a:latin typeface="Cambria Math" panose="02040503050406030204" pitchFamily="18" charset="0"/>
                               </a:rPr>
+                              <m:t> </m:t>
+                            </m:r>
+                            <m:r>
+                              <a:rPr lang="en-US" b="0" i="1" smtClean="0">
+                                <a:latin typeface="Cambria Math" panose="02040503050406030204" pitchFamily="18" charset="0"/>
+                              </a:rPr>
                               <m:t>1</m:t>
                             </m:r>
                           </m:e>
@@ -33416,10 +33433,24 @@
                               <a:rPr lang="en-US" i="1">
                                 <a:latin typeface="Cambria Math" panose="02040503050406030204" pitchFamily="18" charset="0"/>
                               </a:rPr>
-                              <m:t>0</m:t>
+                              <m:t> </m:t>
                             </m:r>
                             <m:r>
                               <a:rPr lang="en-US" b="0" i="1" smtClean="0">
+                                <a:latin typeface="Cambria Math" panose="02040503050406030204" pitchFamily="18" charset="0"/>
+                              </a:rPr>
+                              <m:t>0.887</m:t>
+                            </m:r>
+                          </m:e>
+                          <m:e>
+                            <m:r>
+                              <a:rPr lang="en-US" i="1">
+                                <a:latin typeface="Cambria Math" panose="02040503050406030204" pitchFamily="18" charset="0"/>
+                              </a:rPr>
+                              <m:t>  0</m:t>
+                            </m:r>
+                            <m:r>
+                              <a:rPr lang="en-US" i="1">
                                 <a:latin typeface="Cambria Math" panose="02040503050406030204" pitchFamily="18" charset="0"/>
                               </a:rPr>
                               <m:t>.887</m:t>
@@ -33430,27 +33461,7 @@
                               <a:rPr lang="en-US" i="1">
                                 <a:latin typeface="Cambria Math" panose="02040503050406030204" pitchFamily="18" charset="0"/>
                               </a:rPr>
-                              <m:t>0</m:t>
-                            </m:r>
-                            <m:r>
-                              <a:rPr lang="en-US" b="0" i="1" smtClean="0">
-                                <a:latin typeface="Cambria Math" panose="02040503050406030204" pitchFamily="18" charset="0"/>
-                              </a:rPr>
-                              <m:t>.887</m:t>
-                            </m:r>
-                          </m:e>
-                          <m:e>
-                            <m:r>
-                              <a:rPr lang="en-US" i="1">
-                                <a:latin typeface="Cambria Math" panose="02040503050406030204" pitchFamily="18" charset="0"/>
-                              </a:rPr>
-                              <m:t>0</m:t>
-                            </m:r>
-                            <m:r>
-                              <a:rPr lang="en-US" b="0" i="1" smtClean="0">
-                                <a:latin typeface="Cambria Math" panose="02040503050406030204" pitchFamily="18" charset="0"/>
-                              </a:rPr>
-                              <m:t>.887</m:t>
+                              <m:t>  </m:t>
                             </m:r>
                           </m:e>
                         </m:eqArr>
@@ -33503,13 +33514,7 @@
                               <a:rPr lang="en-US" i="1">
                                 <a:latin typeface="Cambria Math" panose="02040503050406030204" pitchFamily="18" charset="0"/>
                               </a:rPr>
-                              <m:t>  0</m:t>
-                            </m:r>
-                            <m:r>
-                              <a:rPr lang="en-US" b="0" i="1" smtClean="0">
-                                <a:latin typeface="Cambria Math" panose="02040503050406030204" pitchFamily="18" charset="0"/>
-                              </a:rPr>
-                              <m:t>.887</m:t>
+                              <m:t>  </m:t>
                             </m:r>
                           </m:e>
                         </m:eqArr>
@@ -33562,13 +33567,7 @@
                               <a:rPr lang="en-US" i="1">
                                 <a:latin typeface="Cambria Math" panose="02040503050406030204" pitchFamily="18" charset="0"/>
                               </a:rPr>
-                              <m:t>  0</m:t>
-                            </m:r>
-                            <m:r>
-                              <a:rPr lang="en-US" b="0" i="1" smtClean="0">
-                                <a:latin typeface="Cambria Math" panose="02040503050406030204" pitchFamily="18" charset="0"/>
-                              </a:rPr>
-                              <m:t>.887</m:t>
+                              <m:t> </m:t>
                             </m:r>
                           </m:e>
                         </m:eqArr>
@@ -33578,65 +33577,6 @@
                           </a:rPr>
                           <m:t> </m:t>
                         </m:r>
-                        <m:eqArr>
-                          <m:eqArrPr>
-                            <m:ctrlPr>
-                              <a:rPr lang="en-US" i="1">
-                                <a:latin typeface="Cambria Math" panose="02040503050406030204" pitchFamily="18" charset="0"/>
-                              </a:rPr>
-                            </m:ctrlPr>
-                          </m:eqArrPr>
-                          <m:e>
-                            <m:r>
-                              <a:rPr lang="en-US" i="1">
-                                <a:latin typeface="Cambria Math" panose="02040503050406030204" pitchFamily="18" charset="0"/>
-                              </a:rPr>
-                              <m:t> 0</m:t>
-                            </m:r>
-                            <m:r>
-                              <a:rPr lang="en-US" b="0" i="1" smtClean="0">
-                                <a:latin typeface="Cambria Math" panose="02040503050406030204" pitchFamily="18" charset="0"/>
-                              </a:rPr>
-                              <m:t>.887</m:t>
-                            </m:r>
-                          </m:e>
-                          <m:e>
-                            <m:r>
-                              <a:rPr lang="en-US" i="1">
-                                <a:latin typeface="Cambria Math" panose="02040503050406030204" pitchFamily="18" charset="0"/>
-                              </a:rPr>
-                              <m:t> 0</m:t>
-                            </m:r>
-                            <m:r>
-                              <a:rPr lang="en-US" b="0" i="1" smtClean="0">
-                                <a:latin typeface="Cambria Math" panose="02040503050406030204" pitchFamily="18" charset="0"/>
-                              </a:rPr>
-                              <m:t>.887</m:t>
-                            </m:r>
-                          </m:e>
-                          <m:e>
-                            <m:r>
-                              <a:rPr lang="en-US" i="1">
-                                <a:latin typeface="Cambria Math" panose="02040503050406030204" pitchFamily="18" charset="0"/>
-                              </a:rPr>
-                              <m:t> 0</m:t>
-                            </m:r>
-                            <m:r>
-                              <a:rPr lang="en-US" b="0" i="1" smtClean="0">
-                                <a:latin typeface="Cambria Math" panose="02040503050406030204" pitchFamily="18" charset="0"/>
-                              </a:rPr>
-                              <m:t>.887</m:t>
-                            </m:r>
-                          </m:e>
-                          <m:e>
-                            <m:r>
-                              <a:rPr lang="en-US" i="1">
-                                <a:latin typeface="Cambria Math" panose="02040503050406030204" pitchFamily="18" charset="0"/>
-                              </a:rPr>
-                              <m:t> 1</m:t>
-                            </m:r>
-                          </m:e>
-                        </m:eqArr>
                       </m:e>
                     </m:d>
                   </m:oMath>
@@ -33668,7 +33608,7 @@
             </p:txBody>
           </p:sp>
         </mc:Choice>
-        <mc:Fallback xmlns="">
+        <mc:Fallback>
           <p:sp>
             <p:nvSpPr>
               <p:cNvPr id="3" name="Subtitle 2">
@@ -33900,8 +33840,8 @@
           <a:chExt cx="0" cy="0"/>
         </a:xfrm>
       </p:grpSpPr>
-      <mc:AlternateContent xmlns:mc="http://schemas.openxmlformats.org/markup-compatibility/2006" xmlns:a14="http://schemas.microsoft.com/office/drawing/2010/main">
-        <mc:Choice Requires="a14">
+      <mc:AlternateContent xmlns:mc="http://schemas.openxmlformats.org/markup-compatibility/2006">
+        <mc:Choice xmlns:a14="http://schemas.microsoft.com/office/drawing/2010/main" Requires="a14">
           <p:sp>
             <p:nvSpPr>
               <p:cNvPr id="3" name="Subtitle 2">
@@ -34090,7 +34030,23 @@
                 </a:pPr>
                 <a:r>
                   <a:rPr lang="en-US" dirty="0"/>
-                  <a:t>Group is not a significant predictor, thus from the statistical point of view, the intervention is not efficient.</a:t>
+                  <a:t>Group is not a significant predictor </a:t>
+                </a:r>
+                <a:r>
+                  <a:rPr lang="en-US"/>
+                  <a:t>at the 5% level, </a:t>
+                </a:r>
+                <a:r>
+                  <a:rPr lang="en-US" dirty="0"/>
+                  <a:t>thus from the statistical point of view, the intervention is </a:t>
+                </a:r>
+                <a:r>
+                  <a:rPr lang="en-US"/>
+                  <a:t>not efficient. </a:t>
+                </a:r>
+                <a:r>
+                  <a:rPr lang="en-US" dirty="0"/>
+                  <a:t>It is significant at the 10% level.</a:t>
                 </a:r>
               </a:p>
               <a:p>
@@ -34100,7 +34056,7 @@
             </p:txBody>
           </p:sp>
         </mc:Choice>
-        <mc:Fallback xmlns="">
+        <mc:Fallback>
           <p:sp>
             <p:nvSpPr>
               <p:cNvPr id="3" name="Subtitle 2">
@@ -34974,8 +34930,8 @@
           </a:p>
         </p:txBody>
       </p:sp>
-      <mc:AlternateContent xmlns:mc="http://schemas.openxmlformats.org/markup-compatibility/2006" xmlns:a14="http://schemas.microsoft.com/office/drawing/2010/main">
-        <mc:Choice Requires="a14">
+      <mc:AlternateContent xmlns:mc="http://schemas.openxmlformats.org/markup-compatibility/2006">
+        <mc:Choice xmlns:a14="http://schemas.microsoft.com/office/drawing/2010/main" Requires="a14">
           <p:sp>
             <p:nvSpPr>
               <p:cNvPr id="3" name="Content Placeholder 2">
@@ -35174,7 +35130,7 @@
                             </a:solidFill>
                             <a:latin typeface="Cambria Math" panose="02040503050406030204" pitchFamily="18" charset="0"/>
                           </a:rPr>
-                          <m:t>𝑘</m:t>
+                          <m:t>𝑝</m:t>
                         </m:r>
                       </m:sub>
                     </m:sSub>
@@ -35223,7 +35179,7 @@
                         </a:solidFill>
                         <a:latin typeface="Cambria Math" panose="02040503050406030204" pitchFamily="18" charset="0"/>
                       </a:rPr>
-                      <m:t>𝑘</m:t>
+                      <m:t>𝑝</m:t>
                     </m:r>
                     <m:r>
                       <a:rPr lang="en-US" sz="2600" b="0" i="1" smtClean="0">
@@ -36732,7 +36688,7 @@
             </p:txBody>
           </p:sp>
         </mc:Choice>
-        <mc:Fallback xmlns="">
+        <mc:Fallback>
           <p:sp>
             <p:nvSpPr>
               <p:cNvPr id="3" name="Content Placeholder 2">
@@ -36757,7 +36713,7 @@
               <a:blipFill>
                 <a:blip r:embed="rId2"/>
                 <a:stretch>
-                  <a:fillRect l="-1190" t="-943" r="-510" b="-4835"/>
+                  <a:fillRect l="-1190" t="-943" r="-567" b="-5425"/>
                 </a:stretch>
               </a:blipFill>
             </p:spPr>
